--- a/2plus2.pptx
+++ b/2plus2.pptx
@@ -347,7 +347,7 @@
           <a:p>
             <a:fld id="{A7182BA8-ED7F-425D-BE12-68D9A7AA3440}" type="datetimeFigureOut">
               <a:rPr kumimoji="1" lang="ja-JP" altLang="en-US" smtClean="0"/>
-              <a:t>2022/1/13</a:t>
+              <a:t>2022/1/27</a:t>
             </a:fld>
             <a:endParaRPr kumimoji="1" lang="ja-JP" altLang="en-US"/>
           </a:p>
@@ -681,7 +681,7 @@
           <a:p>
             <a:fld id="{A7182BA8-ED7F-425D-BE12-68D9A7AA3440}" type="datetimeFigureOut">
               <a:rPr kumimoji="1" lang="ja-JP" altLang="en-US" smtClean="0"/>
-              <a:t>2022/1/13</a:t>
+              <a:t>2022/1/27</a:t>
             </a:fld>
             <a:endParaRPr kumimoji="1" lang="ja-JP" altLang="en-US"/>
           </a:p>
@@ -959,7 +959,7 @@
           <a:p>
             <a:fld id="{A7182BA8-ED7F-425D-BE12-68D9A7AA3440}" type="datetimeFigureOut">
               <a:rPr kumimoji="1" lang="ja-JP" altLang="en-US" smtClean="0"/>
-              <a:t>2022/1/13</a:t>
+              <a:t>2022/1/27</a:t>
             </a:fld>
             <a:endParaRPr kumimoji="1" lang="ja-JP" altLang="en-US"/>
           </a:p>
@@ -1527,7 +1527,7 @@
           <a:p>
             <a:fld id="{A7182BA8-ED7F-425D-BE12-68D9A7AA3440}" type="datetimeFigureOut">
               <a:rPr kumimoji="1" lang="ja-JP" altLang="en-US" smtClean="0"/>
-              <a:t>2022/1/13</a:t>
+              <a:t>2022/1/27</a:t>
             </a:fld>
             <a:endParaRPr kumimoji="1" lang="ja-JP" altLang="en-US"/>
           </a:p>
@@ -1805,7 +1805,7 @@
           <a:p>
             <a:fld id="{A7182BA8-ED7F-425D-BE12-68D9A7AA3440}" type="datetimeFigureOut">
               <a:rPr kumimoji="1" lang="ja-JP" altLang="en-US" smtClean="0"/>
-              <a:t>2022/1/13</a:t>
+              <a:t>2022/1/27</a:t>
             </a:fld>
             <a:endParaRPr kumimoji="1" lang="ja-JP" altLang="en-US"/>
           </a:p>
@@ -2367,7 +2367,7 @@
           <a:p>
             <a:fld id="{A7182BA8-ED7F-425D-BE12-68D9A7AA3440}" type="datetimeFigureOut">
               <a:rPr kumimoji="1" lang="ja-JP" altLang="en-US" smtClean="0"/>
-              <a:t>2022/1/13</a:t>
+              <a:t>2022/1/27</a:t>
             </a:fld>
             <a:endParaRPr kumimoji="1" lang="ja-JP" altLang="en-US"/>
           </a:p>
@@ -2694,7 +2694,7 @@
           <a:p>
             <a:fld id="{A7182BA8-ED7F-425D-BE12-68D9A7AA3440}" type="datetimeFigureOut">
               <a:rPr kumimoji="1" lang="ja-JP" altLang="en-US" smtClean="0"/>
-              <a:t>2022/1/13</a:t>
+              <a:t>2022/1/27</a:t>
             </a:fld>
             <a:endParaRPr kumimoji="1" lang="ja-JP" altLang="en-US"/>
           </a:p>
@@ -2903,7 +2903,7 @@
           <a:p>
             <a:fld id="{A7182BA8-ED7F-425D-BE12-68D9A7AA3440}" type="datetimeFigureOut">
               <a:rPr kumimoji="1" lang="ja-JP" altLang="en-US" smtClean="0"/>
-              <a:t>2022/1/13</a:t>
+              <a:t>2022/1/27</a:t>
             </a:fld>
             <a:endParaRPr kumimoji="1" lang="ja-JP" altLang="en-US"/>
           </a:p>
@@ -3173,7 +3173,7 @@
           <a:p>
             <a:fld id="{A7182BA8-ED7F-425D-BE12-68D9A7AA3440}" type="datetimeFigureOut">
               <a:rPr kumimoji="1" lang="ja-JP" altLang="en-US" smtClean="0"/>
-              <a:t>2022/1/13</a:t>
+              <a:t>2022/1/27</a:t>
             </a:fld>
             <a:endParaRPr kumimoji="1" lang="ja-JP" altLang="en-US"/>
           </a:p>
@@ -3405,7 +3405,7 @@
           <a:p>
             <a:fld id="{A7182BA8-ED7F-425D-BE12-68D9A7AA3440}" type="datetimeFigureOut">
               <a:rPr kumimoji="1" lang="ja-JP" altLang="en-US" smtClean="0"/>
-              <a:t>2022/1/13</a:t>
+              <a:t>2022/1/27</a:t>
             </a:fld>
             <a:endParaRPr kumimoji="1" lang="ja-JP" altLang="en-US"/>
           </a:p>
@@ -3681,7 +3681,7 @@
           <a:p>
             <a:fld id="{A7182BA8-ED7F-425D-BE12-68D9A7AA3440}" type="datetimeFigureOut">
               <a:rPr kumimoji="1" lang="ja-JP" altLang="en-US" smtClean="0"/>
-              <a:t>2022/1/13</a:t>
+              <a:t>2022/1/27</a:t>
             </a:fld>
             <a:endParaRPr kumimoji="1" lang="ja-JP" altLang="en-US"/>
           </a:p>
@@ -4011,7 +4011,7 @@
           <a:p>
             <a:fld id="{A7182BA8-ED7F-425D-BE12-68D9A7AA3440}" type="datetimeFigureOut">
               <a:rPr kumimoji="1" lang="ja-JP" altLang="en-US" smtClean="0"/>
-              <a:t>2022/1/13</a:t>
+              <a:t>2022/1/27</a:t>
             </a:fld>
             <a:endParaRPr kumimoji="1" lang="ja-JP" altLang="en-US"/>
           </a:p>
@@ -4449,7 +4449,7 @@
           <a:p>
             <a:fld id="{A7182BA8-ED7F-425D-BE12-68D9A7AA3440}" type="datetimeFigureOut">
               <a:rPr kumimoji="1" lang="ja-JP" altLang="en-US" smtClean="0"/>
-              <a:t>2022/1/13</a:t>
+              <a:t>2022/1/27</a:t>
             </a:fld>
             <a:endParaRPr kumimoji="1" lang="ja-JP" altLang="en-US"/>
           </a:p>
@@ -4597,7 +4597,7 @@
           <a:p>
             <a:fld id="{A7182BA8-ED7F-425D-BE12-68D9A7AA3440}" type="datetimeFigureOut">
               <a:rPr kumimoji="1" lang="ja-JP" altLang="en-US" smtClean="0"/>
-              <a:t>2022/1/13</a:t>
+              <a:t>2022/1/27</a:t>
             </a:fld>
             <a:endParaRPr kumimoji="1" lang="ja-JP" altLang="en-US"/>
           </a:p>
@@ -4722,7 +4722,7 @@
           <a:p>
             <a:fld id="{A7182BA8-ED7F-425D-BE12-68D9A7AA3440}" type="datetimeFigureOut">
               <a:rPr kumimoji="1" lang="ja-JP" altLang="en-US" smtClean="0"/>
-              <a:t>2022/1/13</a:t>
+              <a:t>2022/1/27</a:t>
             </a:fld>
             <a:endParaRPr kumimoji="1" lang="ja-JP" altLang="en-US"/>
           </a:p>
@@ -5039,7 +5039,7 @@
           <a:p>
             <a:fld id="{A7182BA8-ED7F-425D-BE12-68D9A7AA3440}" type="datetimeFigureOut">
               <a:rPr kumimoji="1" lang="ja-JP" altLang="en-US" smtClean="0"/>
-              <a:t>2022/1/13</a:t>
+              <a:t>2022/1/27</a:t>
             </a:fld>
             <a:endParaRPr kumimoji="1" lang="ja-JP" altLang="en-US"/>
           </a:p>
@@ -5363,7 +5363,7 @@
           <a:p>
             <a:fld id="{A7182BA8-ED7F-425D-BE12-68D9A7AA3440}" type="datetimeFigureOut">
               <a:rPr kumimoji="1" lang="ja-JP" altLang="en-US" smtClean="0"/>
-              <a:t>2022/1/13</a:t>
+              <a:t>2022/1/27</a:t>
             </a:fld>
             <a:endParaRPr kumimoji="1" lang="ja-JP" altLang="en-US"/>
           </a:p>
@@ -5609,7 +5609,7 @@
           <a:p>
             <a:fld id="{A7182BA8-ED7F-425D-BE12-68D9A7AA3440}" type="datetimeFigureOut">
               <a:rPr kumimoji="1" lang="ja-JP" altLang="en-US" smtClean="0"/>
-              <a:t>2022/1/13</a:t>
+              <a:t>2022/1/27</a:t>
             </a:fld>
             <a:endParaRPr kumimoji="1" lang="ja-JP" altLang="en-US"/>
           </a:p>
@@ -6355,7 +6355,7 @@
           <a:p>
             <a:r>
               <a:rPr lang="ja-JP" altLang="en-US" sz="4400" dirty="0"/>
-              <a:t>オンラインでモンゴル、ネパール、ミャンマーの伝統的な物の紹介</a:t>
+              <a:t>オンラインでモンゴル、ネパール、　　　ミャンマーの伝統的な物の紹介</a:t>
             </a:r>
             <a:endParaRPr lang="en-US" altLang="ja-JP" sz="4400" dirty="0"/>
           </a:p>
@@ -6378,7 +6378,7 @@
             </a:r>
             <a:r>
               <a:rPr lang="ja-JP" altLang="en-US" sz="4400" dirty="0"/>
-              <a:t>、</a:t>
+              <a:t>、 　　　</a:t>
             </a:r>
             <a:r>
               <a:rPr lang="en-US" altLang="ja-JP" sz="4400" dirty="0"/>
@@ -6462,7 +6462,7 @@
             <p:ph idx="1"/>
             <p:extLst>
               <p:ext uri="{D42A27DB-BD31-4B8C-83A1-F6EECF244321}">
-                <p14:modId xmlns:p14="http://schemas.microsoft.com/office/powerpoint/2010/main" val="312199293"/>
+                <p14:modId xmlns:p14="http://schemas.microsoft.com/office/powerpoint/2010/main" val="1919631157"/>
               </p:ext>
             </p:extLst>
           </p:nvPr>
@@ -7032,7 +7032,7 @@
           <a:p>
             <a:r>
               <a:rPr lang="ja-JP" altLang="en-US" sz="4800" dirty="0"/>
-              <a:t>世界のみなさんに自分たちの国の伝統的なものを紹介するためです。</a:t>
+              <a:t>世界のみなさんに自分たちの国の　伝統的なものを紹介するためです。</a:t>
             </a:r>
             <a:endParaRPr lang="en-US" altLang="ja-JP" sz="4800" dirty="0"/>
           </a:p>
@@ -7838,7 +7838,7 @@
           <a:p>
             <a:r>
               <a:rPr kumimoji="1" lang="ja-JP" altLang="en-US" sz="3600" dirty="0"/>
-              <a:t>みんなのコードをあわせて、写真を集めて、わからないコードをインタネットで探すのがむじかしかったがみんなで力を合わせるのが楽しかった</a:t>
+              <a:t>みんなのコードをあわせて、写真を集めて、　　　　わからないコードをインタネットで探すのが　　　　むじかしかったがみんなで力を合わせるのが楽しかった</a:t>
             </a:r>
             <a:r>
               <a:rPr kumimoji="1" lang="ja-JP" altLang="en-US" dirty="0"/>
